--- a/모두의쿠폰_하모니즈.pptx
+++ b/모두의쿠폰_하모니즈.pptx
@@ -10586,10 +10586,10 @@
       </p:sp>
       <p:sp>
         <p:nvSpPr>
-          <p:cNvPr id="12" name="TextBox 11">
+          <p:cNvPr id="3" name="TextBox 2">
             <a:extLst>
               <a:ext uri="{FF2B5EF4-FFF2-40B4-BE49-F238E27FC236}">
-                <a16:creationId xmlns:a16="http://schemas.microsoft.com/office/drawing/2014/main" id="{1D7D2D5C-CFF3-4AA2-93A4-F5729CEB647B}"/>
+                <a16:creationId xmlns:a16="http://schemas.microsoft.com/office/drawing/2014/main" id="{11905C7F-37C9-4ECC-B6A7-392B37460D72}"/>
               </a:ext>
             </a:extLst>
           </p:cNvPr>
@@ -10598,8 +10598,8 @@
         </p:nvSpPr>
         <p:spPr>
           <a:xfrm>
-            <a:off x="5498647" y="6052549"/>
-            <a:ext cx="6332976" cy="369332"/>
+            <a:off x="4959626" y="5812216"/>
+            <a:ext cx="6798365" cy="338554"/>
           </a:xfrm>
           <a:prstGeom prst="rect">
             <a:avLst/>
@@ -10607,18 +10607,113 @@
           <a:noFill/>
         </p:spPr>
         <p:txBody>
-          <a:bodyPr wrap="square">
+          <a:bodyPr wrap="square" rtlCol="0">
             <a:spAutoFit/>
           </a:bodyPr>
           <a:lstStyle/>
           <a:p>
             <a:r>
-              <a:rPr lang="en-US" altLang="ko-KR" dirty="0">
-                <a:hlinkClick r:id="rId4"/>
+              <a:rPr lang="en-US" altLang="ko-KR" sz="1600" dirty="0" err="1">
+                <a:solidFill>
+                  <a:schemeClr val="bg1">
+                    <a:lumMod val="65000"/>
+                  </a:schemeClr>
+                </a:solidFill>
+              </a:rPr>
+              <a:t>Github</a:t>
+            </a:r>
+            <a:r>
+              <a:rPr lang="en-US" altLang="ko-KR" sz="1600" dirty="0">
+                <a:solidFill>
+                  <a:schemeClr val="bg1">
+                    <a:lumMod val="65000"/>
+                  </a:schemeClr>
+                </a:solidFill>
+              </a:rPr>
+              <a:t>: </a:t>
+            </a:r>
+            <a:r>
+              <a:rPr lang="en-US" altLang="ko-KR" sz="1600" dirty="0">
+                <a:solidFill>
+                  <a:schemeClr val="bg1">
+                    <a:lumMod val="65000"/>
+                  </a:schemeClr>
+                </a:solidFill>
+                <a:hlinkClick r:id="rId4">
+                  <a:extLst>
+                    <a:ext uri="{A12FA001-AC4F-418D-AE19-62706E023703}">
+                      <ahyp:hlinkClr xmlns:ahyp="http://schemas.microsoft.com/office/drawing/2018/hyperlinkcolor" val="tx"/>
+                    </a:ext>
+                  </a:extLst>
+                </a:hlinkClick>
               </a:rPr>
               <a:t>https://github.com/wndmstpdmswndvydhrgml/Harmonize</a:t>
             </a:r>
-            <a:endParaRPr lang="ko-KR" altLang="en-US" dirty="0"/>
+            <a:endParaRPr lang="ko-KR" altLang="en-US" sz="1600" dirty="0">
+              <a:solidFill>
+                <a:schemeClr val="bg1">
+                  <a:lumMod val="65000"/>
+                </a:schemeClr>
+              </a:solidFill>
+            </a:endParaRPr>
+          </a:p>
+        </p:txBody>
+      </p:sp>
+      <p:sp>
+        <p:nvSpPr>
+          <p:cNvPr id="8" name="TextBox 7">
+            <a:extLst>
+              <a:ext uri="{FF2B5EF4-FFF2-40B4-BE49-F238E27FC236}">
+                <a16:creationId xmlns:a16="http://schemas.microsoft.com/office/drawing/2014/main" id="{0BBB3C93-699A-4070-9576-E687BCA0BA27}"/>
+              </a:ext>
+            </a:extLst>
+          </p:cNvPr>
+          <p:cNvSpPr txBox="1"/>
+          <p:nvPr/>
+        </p:nvSpPr>
+        <p:spPr>
+          <a:xfrm>
+            <a:off x="4959626" y="6173159"/>
+            <a:ext cx="6798365" cy="338554"/>
+          </a:xfrm>
+          <a:prstGeom prst="rect">
+            <a:avLst/>
+          </a:prstGeom>
+          <a:noFill/>
+        </p:spPr>
+        <p:txBody>
+          <a:bodyPr wrap="square" rtlCol="0">
+            <a:spAutoFit/>
+          </a:bodyPr>
+          <a:lstStyle/>
+          <a:p>
+            <a:r>
+              <a:rPr lang="en-US" altLang="ko-KR" sz="1600" dirty="0" err="1">
+                <a:solidFill>
+                  <a:schemeClr val="bg1">
+                    <a:lumMod val="65000"/>
+                  </a:schemeClr>
+                </a:solidFill>
+              </a:rPr>
+              <a:t>Youtube</a:t>
+            </a:r>
+            <a:r>
+              <a:rPr lang="en-US" altLang="ko-KR" sz="1600" dirty="0">
+                <a:solidFill>
+                  <a:schemeClr val="bg1">
+                    <a:lumMod val="65000"/>
+                  </a:schemeClr>
+                </a:solidFill>
+              </a:rPr>
+              <a:t>: https://youtu.be/6fYAu1m22X8 </a:t>
+            </a:r>
+            <a:endParaRPr lang="ko-KR" altLang="en-US" sz="1600" dirty="0">
+              <a:solidFill>
+                <a:schemeClr val="bg1">
+                  <a:lumMod val="65000"/>
+                </a:schemeClr>
+              </a:solidFill>
+            </a:endParaRPr>
           </a:p>
         </p:txBody>
       </p:sp>
